--- a/Powerpoint Presantation/Total Study Solution - PPT.pptx
+++ b/Powerpoint Presantation/Total Study Solution - PPT.pptx
@@ -5,8 +5,16 @@
     <p:sldMasterId id="2147483768" r:id="rId1"/>
   </p:sldMasterIdLst>
   <p:sldIdLst>
-    <p:sldId id="256" r:id="rId2"/>
-    <p:sldId id="257" r:id="rId3"/>
+    <p:sldId id="259" r:id="rId2"/>
+    <p:sldId id="256" r:id="rId3"/>
+    <p:sldId id="258" r:id="rId4"/>
+    <p:sldId id="261" r:id="rId5"/>
+    <p:sldId id="262" r:id="rId6"/>
+    <p:sldId id="263" r:id="rId7"/>
+    <p:sldId id="264" r:id="rId8"/>
+    <p:sldId id="265" r:id="rId9"/>
+    <p:sldId id="266" r:id="rId10"/>
+    <p:sldId id="267" r:id="rId11"/>
   </p:sldIdLst>
   <p:sldSz cx="12192000" cy="6858000"/>
   <p:notesSz cx="6858000" cy="9144000"/>
@@ -105,6 +113,11 @@
       </a:defRPr>
     </a:lvl9pPr>
   </p:defaultTextStyle>
+  <p:extLst>
+    <p:ext uri="{EFAFB233-063F-42B5-8137-9DF3F51BA10A}">
+      <p15:sldGuideLst xmlns:p15="http://schemas.microsoft.com/office/powerpoint/2012/main"/>
+    </p:ext>
+  </p:extLst>
 </p:presentation>
 </file>
 
@@ -304,7 +317,7 @@
           <a:p>
             <a:fld id="{030FFE84-3574-49EE-BF69-88EE9D75BDE9}" type="datetimeFigureOut">
               <a:rPr lang="en-US" smtClean="0"/>
-              <a:t>9/24/2018</a:t>
+              <a:t>10/14/2018</a:t>
             </a:fld>
             <a:endParaRPr lang="en-US"/>
           </a:p>
@@ -525,7 +538,7 @@
           <a:p>
             <a:fld id="{030FFE84-3574-49EE-BF69-88EE9D75BDE9}" type="datetimeFigureOut">
               <a:rPr lang="en-US" smtClean="0"/>
-              <a:t>9/24/2018</a:t>
+              <a:t>10/14/2018</a:t>
             </a:fld>
             <a:endParaRPr lang="en-US"/>
           </a:p>
@@ -705,7 +718,7 @@
           <a:p>
             <a:fld id="{030FFE84-3574-49EE-BF69-88EE9D75BDE9}" type="datetimeFigureOut">
               <a:rPr lang="en-US" smtClean="0"/>
-              <a:t>9/24/2018</a:t>
+              <a:t>10/14/2018</a:t>
             </a:fld>
             <a:endParaRPr lang="en-US"/>
           </a:p>
@@ -875,7 +888,7 @@
           <a:p>
             <a:fld id="{030FFE84-3574-49EE-BF69-88EE9D75BDE9}" type="datetimeFigureOut">
               <a:rPr lang="en-US" smtClean="0"/>
-              <a:t>9/24/2018</a:t>
+              <a:t>10/14/2018</a:t>
             </a:fld>
             <a:endParaRPr lang="en-US"/>
           </a:p>
@@ -1126,7 +1139,7 @@
           <a:p>
             <a:fld id="{030FFE84-3574-49EE-BF69-88EE9D75BDE9}" type="datetimeFigureOut">
               <a:rPr lang="en-US" smtClean="0"/>
-              <a:t>9/24/2018</a:t>
+              <a:t>10/14/2018</a:t>
             </a:fld>
             <a:endParaRPr lang="en-US"/>
           </a:p>
@@ -1449,7 +1462,7 @@
           <a:p>
             <a:fld id="{030FFE84-3574-49EE-BF69-88EE9D75BDE9}" type="datetimeFigureOut">
               <a:rPr lang="en-US" smtClean="0"/>
-              <a:t>9/24/2018</a:t>
+              <a:t>10/14/2018</a:t>
             </a:fld>
             <a:endParaRPr lang="en-US"/>
           </a:p>
@@ -1873,7 +1886,7 @@
           <a:p>
             <a:fld id="{030FFE84-3574-49EE-BF69-88EE9D75BDE9}" type="datetimeFigureOut">
               <a:rPr lang="en-US" smtClean="0"/>
-              <a:t>9/24/2018</a:t>
+              <a:t>10/14/2018</a:t>
             </a:fld>
             <a:endParaRPr lang="en-US"/>
           </a:p>
@@ -1991,7 +2004,7 @@
           <a:p>
             <a:fld id="{030FFE84-3574-49EE-BF69-88EE9D75BDE9}" type="datetimeFigureOut">
               <a:rPr lang="en-US" smtClean="0"/>
-              <a:t>9/24/2018</a:t>
+              <a:t>10/14/2018</a:t>
             </a:fld>
             <a:endParaRPr lang="en-US"/>
           </a:p>
@@ -2086,7 +2099,7 @@
           <a:p>
             <a:fld id="{030FFE84-3574-49EE-BF69-88EE9D75BDE9}" type="datetimeFigureOut">
               <a:rPr lang="en-US" smtClean="0"/>
-              <a:t>9/24/2018</a:t>
+              <a:t>10/14/2018</a:t>
             </a:fld>
             <a:endParaRPr lang="en-US"/>
           </a:p>
@@ -2376,7 +2389,7 @@
           <a:p>
             <a:fld id="{030FFE84-3574-49EE-BF69-88EE9D75BDE9}" type="datetimeFigureOut">
               <a:rPr lang="en-US" smtClean="0"/>
-              <a:t>9/24/2018</a:t>
+              <a:t>10/14/2018</a:t>
             </a:fld>
             <a:endParaRPr lang="en-US"/>
           </a:p>
@@ -2648,7 +2661,7 @@
           <a:p>
             <a:fld id="{030FFE84-3574-49EE-BF69-88EE9D75BDE9}" type="datetimeFigureOut">
               <a:rPr lang="en-US" smtClean="0"/>
-              <a:t>9/24/2018</a:t>
+              <a:t>10/14/2018</a:t>
             </a:fld>
             <a:endParaRPr lang="en-US"/>
           </a:p>
@@ -2901,7 +2914,7 @@
           <a:p>
             <a:fld id="{030FFE84-3574-49EE-BF69-88EE9D75BDE9}" type="datetimeFigureOut">
               <a:rPr lang="en-US" smtClean="0"/>
-              <a:t>9/24/2018</a:t>
+              <a:t>10/14/2018</a:t>
             </a:fld>
             <a:endParaRPr lang="en-US"/>
           </a:p>
@@ -3369,105 +3382,176 @@
             <a:spLocks noGrp="1"/>
           </p:cNvSpPr>
           <p:nvPr>
-            <p:ph type="ctrTitle"/>
-          </p:nvPr>
+            <p:ph type="title"/>
+          </p:nvPr>
+        </p:nvSpPr>
+        <p:spPr/>
+        <p:txBody>
+          <a:bodyPr/>
+          <a:lstStyle/>
+          <a:p>
+            <a:r>
+              <a:rPr lang="en-US" dirty="0" smtClean="0"/>
+              <a:t>Project Goal</a:t>
+            </a:r>
+            <a:endParaRPr lang="en-US" dirty="0"/>
+          </a:p>
+        </p:txBody>
+      </p:sp>
+      <p:sp>
+        <p:nvSpPr>
+          <p:cNvPr id="3" name="TextBox 2"/>
+          <p:cNvSpPr txBox="1"/>
+          <p:nvPr/>
         </p:nvSpPr>
         <p:spPr>
           <a:xfrm>
-            <a:off x="770890" y="1663700"/>
-            <a:ext cx="10645140" cy="1088334"/>
+            <a:off x="1143000" y="2468880"/>
+            <a:ext cx="9098280" cy="2031325"/>
           </a:xfrm>
+          <a:prstGeom prst="rect">
+            <a:avLst/>
+          </a:prstGeom>
+          <a:noFill/>
         </p:spPr>
         <p:txBody>
-          <a:bodyPr/>
-          <a:lstStyle/>
-          <a:p>
-            <a:r>
-              <a:rPr lang="en-US" dirty="0" smtClean="0">
-                <a:solidFill>
-                  <a:schemeClr val="accent1">
-                    <a:lumMod val="75000"/>
-                  </a:schemeClr>
-                </a:solidFill>
-              </a:rPr>
-              <a:t>Total </a:t>
-            </a:r>
+          <a:bodyPr wrap="square" rtlCol="0">
+            <a:spAutoFit/>
+          </a:bodyPr>
+          <a:lstStyle/>
+          <a:p>
+            <a:pPr marL="285750" indent="-285750">
+              <a:buFont typeface="Arial" panose="020B0604020202020204" pitchFamily="34" charset="0"/>
+              <a:buChar char="•"/>
+            </a:pPr>
+            <a:endParaRPr lang="en-US" dirty="0" smtClean="0"/>
+          </a:p>
+          <a:p>
+            <a:pPr marL="285750" indent="-285750">
+              <a:buFont typeface="Arial" panose="020B0604020202020204" pitchFamily="34" charset="0"/>
+              <a:buChar char="•"/>
+            </a:pPr>
             <a:r>
               <a:rPr lang="en-US" dirty="0" smtClean="0"/>
-              <a:t>Study Solution </a:t>
+              <a:t>Now a day Internet is every were.</a:t>
+            </a:r>
+          </a:p>
+          <a:p>
+            <a:pPr marL="285750" indent="-285750">
+              <a:buFont typeface="Arial" panose="020B0604020202020204" pitchFamily="34" charset="0"/>
+              <a:buChar char="•"/>
+            </a:pPr>
+            <a:r>
+              <a:rPr lang="en-US" dirty="0" smtClean="0"/>
+              <a:t>Mobile is also part of life for all young students.</a:t>
+            </a:r>
+          </a:p>
+          <a:p>
+            <a:pPr marL="285750" indent="-285750">
+              <a:buFont typeface="Arial" panose="020B0604020202020204" pitchFamily="34" charset="0"/>
+              <a:buChar char="•"/>
+            </a:pPr>
+            <a:r>
+              <a:rPr lang="en-US" dirty="0" smtClean="0"/>
+              <a:t>We </a:t>
             </a:r>
             <a:endParaRPr lang="en-US" dirty="0"/>
           </a:p>
-        </p:txBody>
-      </p:sp>
-      <p:sp>
-        <p:nvSpPr>
-          <p:cNvPr id="3" name="Subtitle 2"/>
-          <p:cNvSpPr>
-            <a:spLocks noGrp="1"/>
-          </p:cNvSpPr>
-          <p:nvPr>
-            <p:ph type="subTitle" idx="1"/>
-          </p:nvPr>
-        </p:nvSpPr>
-        <p:spPr>
-          <a:xfrm>
-            <a:off x="1709530" y="4161734"/>
-            <a:ext cx="8767860" cy="1388165"/>
-          </a:xfrm>
-        </p:spPr>
-        <p:txBody>
-          <a:bodyPr>
-            <a:normAutofit fontScale="62500" lnSpcReduction="20000"/>
-          </a:bodyPr>
-          <a:lstStyle/>
-          <a:p>
-            <a:r>
-              <a:rPr lang="en-US" sz="2000" dirty="0" smtClean="0"/>
-              <a:t>By</a:t>
-            </a:r>
-          </a:p>
-          <a:p>
-            <a:r>
-              <a:rPr lang="en-US" sz="4200" dirty="0" smtClean="0"/>
-              <a:t> </a:t>
-            </a:r>
-            <a:r>
-              <a:rPr lang="en-US" sz="2500" b="1" u="sng" dirty="0" err="1" smtClean="0"/>
-              <a:t>Harikrushna</a:t>
-            </a:r>
-            <a:r>
-              <a:rPr lang="en-US" sz="2500" b="1" u="sng" dirty="0" smtClean="0"/>
-              <a:t> Patel</a:t>
-            </a:r>
-          </a:p>
-          <a:p>
-            <a:r>
-              <a:rPr lang="en-US" sz="2500" dirty="0" smtClean="0"/>
-              <a:t>And</a:t>
-            </a:r>
-            <a:r>
-              <a:rPr lang="en-US" sz="2500" u="sng" dirty="0" smtClean="0"/>
-              <a:t> </a:t>
-            </a:r>
-          </a:p>
-          <a:p>
-            <a:r>
-              <a:rPr lang="en-US" sz="2500" b="1" u="sng" dirty="0" smtClean="0"/>
-              <a:t>Krishna </a:t>
-            </a:r>
-            <a:r>
-              <a:rPr lang="en-US" sz="2500" b="1" u="sng" dirty="0" err="1" smtClean="0"/>
-              <a:t>Jadav</a:t>
-            </a:r>
-            <a:endParaRPr lang="en-US" sz="2500" b="1" u="sng" dirty="0"/>
+          <a:p>
+            <a:pPr marL="285750" indent="-285750">
+              <a:buFont typeface="Arial" panose="020B0604020202020204" pitchFamily="34" charset="0"/>
+              <a:buChar char="•"/>
+            </a:pPr>
+            <a:endParaRPr lang="en-US" dirty="0" smtClean="0"/>
+          </a:p>
+          <a:p>
+            <a:pPr marL="285750" indent="-285750">
+              <a:buFont typeface="Arial" panose="020B0604020202020204" pitchFamily="34" charset="0"/>
+              <a:buChar char="•"/>
+            </a:pPr>
+            <a:endParaRPr lang="en-US" dirty="0"/>
+          </a:p>
+          <a:p>
+            <a:pPr marL="285750" indent="-285750">
+              <a:buFont typeface="Arial" panose="020B0604020202020204" pitchFamily="34" charset="0"/>
+              <a:buChar char="•"/>
+            </a:pPr>
+            <a:endParaRPr lang="en-US" dirty="0"/>
           </a:p>
         </p:txBody>
       </p:sp>
     </p:spTree>
     <p:extLst>
       <p:ext uri="{BB962C8B-B14F-4D97-AF65-F5344CB8AC3E}">
-        <p14:creationId xmlns:p14="http://schemas.microsoft.com/office/powerpoint/2010/main" val="4143472186"/>
+        <p14:creationId xmlns:p14="http://schemas.microsoft.com/office/powerpoint/2010/main" val="3096131179"/>
+      </p:ext>
+    </p:extLst>
+  </p:cSld>
+  <p:clrMapOvr>
+    <a:masterClrMapping/>
+  </p:clrMapOvr>
+</p:sld>
+</file>
+
+<file path=ppt/slides/slide10.xml><?xml version="1.0" encoding="utf-8"?>
+<p:sld xmlns:a="http://schemas.openxmlformats.org/drawingml/2006/main" xmlns:r="http://schemas.openxmlformats.org/officeDocument/2006/relationships" xmlns:p="http://schemas.openxmlformats.org/presentationml/2006/main">
+  <p:cSld>
+    <p:spTree>
+      <p:nvGrpSpPr>
+        <p:cNvPr id="1" name=""/>
+        <p:cNvGrpSpPr/>
+        <p:nvPr/>
+      </p:nvGrpSpPr>
+      <p:grpSpPr>
+        <a:xfrm>
+          <a:off x="0" y="0"/>
+          <a:ext cx="0" cy="0"/>
+          <a:chOff x="0" y="0"/>
+          <a:chExt cx="0" cy="0"/>
+        </a:xfrm>
+      </p:grpSpPr>
+      <p:sp>
+        <p:nvSpPr>
+          <p:cNvPr id="2" name="Title 1"/>
+          <p:cNvSpPr>
+            <a:spLocks noGrp="1"/>
+          </p:cNvSpPr>
+          <p:nvPr>
+            <p:ph type="title"/>
+          </p:nvPr>
+        </p:nvSpPr>
+        <p:spPr/>
+        <p:txBody>
+          <a:bodyPr/>
+          <a:lstStyle/>
+          <a:p>
+            <a:endParaRPr lang="en-US"/>
+          </a:p>
+        </p:txBody>
+      </p:sp>
+      <p:sp>
+        <p:nvSpPr>
+          <p:cNvPr id="3" name="Content Placeholder 2"/>
+          <p:cNvSpPr>
+            <a:spLocks noGrp="1"/>
+          </p:cNvSpPr>
+          <p:nvPr>
+            <p:ph idx="1"/>
+          </p:nvPr>
+        </p:nvSpPr>
+        <p:spPr/>
+        <p:txBody>
+          <a:bodyPr/>
+          <a:lstStyle/>
+          <a:p>
+            <a:endParaRPr lang="en-US"/>
+          </a:p>
+        </p:txBody>
+      </p:sp>
+    </p:spTree>
+    <p:extLst>
+      <p:ext uri="{BB962C8B-B14F-4D97-AF65-F5344CB8AC3E}">
+        <p14:creationId xmlns:p14="http://schemas.microsoft.com/office/powerpoint/2010/main" val="4244725355"/>
       </p:ext>
     </p:extLst>
   </p:cSld>
@@ -3501,41 +3585,758 @@
             <a:spLocks noGrp="1"/>
           </p:cNvSpPr>
           <p:nvPr>
-            <p:ph type="title"/>
-          </p:nvPr>
-        </p:nvSpPr>
-        <p:spPr/>
-        <p:txBody>
-          <a:bodyPr/>
-          <a:lstStyle/>
-          <a:p>
+            <p:ph type="ctrTitle"/>
+          </p:nvPr>
+        </p:nvSpPr>
+        <p:spPr>
+          <a:xfrm>
+            <a:off x="770890" y="1663700"/>
+            <a:ext cx="10645140" cy="1088334"/>
+          </a:xfrm>
+        </p:spPr>
+        <p:txBody>
+          <a:bodyPr/>
+          <a:lstStyle/>
+          <a:p>
+            <a:r>
+              <a:rPr lang="en-US" dirty="0" smtClean="0">
+                <a:solidFill>
+                  <a:schemeClr val="accent1">
+                    <a:lumMod val="75000"/>
+                  </a:schemeClr>
+                </a:solidFill>
+              </a:rPr>
+              <a:t>Total </a:t>
+            </a:r>
+            <a:r>
+              <a:rPr lang="en-US" dirty="0" smtClean="0"/>
+              <a:t>Study Solution </a:t>
+            </a:r>
             <a:endParaRPr lang="en-US" dirty="0"/>
           </a:p>
         </p:txBody>
       </p:sp>
       <p:sp>
         <p:nvSpPr>
-          <p:cNvPr id="3" name="Content Placeholder 2"/>
-          <p:cNvSpPr>
-            <a:spLocks noGrp="1"/>
-          </p:cNvSpPr>
-          <p:nvPr>
-            <p:ph idx="1"/>
-          </p:nvPr>
-        </p:nvSpPr>
-        <p:spPr/>
-        <p:txBody>
-          <a:bodyPr/>
-          <a:lstStyle/>
-          <a:p>
-            <a:endParaRPr lang="en-US" dirty="0"/>
+          <p:cNvPr id="3" name="Subtitle 2"/>
+          <p:cNvSpPr>
+            <a:spLocks noGrp="1"/>
+          </p:cNvSpPr>
+          <p:nvPr>
+            <p:ph type="subTitle" idx="1"/>
+          </p:nvPr>
+        </p:nvSpPr>
+        <p:spPr>
+          <a:xfrm>
+            <a:off x="1709530" y="4161734"/>
+            <a:ext cx="8767860" cy="1388165"/>
+          </a:xfrm>
+        </p:spPr>
+        <p:txBody>
+          <a:bodyPr>
+            <a:normAutofit fontScale="62500" lnSpcReduction="20000"/>
+          </a:bodyPr>
+          <a:lstStyle/>
+          <a:p>
+            <a:r>
+              <a:rPr lang="en-US" sz="2000" dirty="0" smtClean="0"/>
+              <a:t>By</a:t>
+            </a:r>
+          </a:p>
+          <a:p>
+            <a:r>
+              <a:rPr lang="en-US" sz="4200" dirty="0" smtClean="0"/>
+              <a:t> </a:t>
+            </a:r>
+            <a:r>
+              <a:rPr lang="en-US" sz="2500" b="1" u="sng" dirty="0" err="1" smtClean="0"/>
+              <a:t>Harikrushna</a:t>
+            </a:r>
+            <a:r>
+              <a:rPr lang="en-US" sz="2500" b="1" u="sng" dirty="0" smtClean="0"/>
+              <a:t> Patel</a:t>
+            </a:r>
+          </a:p>
+          <a:p>
+            <a:r>
+              <a:rPr lang="en-US" sz="2500" dirty="0" smtClean="0"/>
+              <a:t>And</a:t>
+            </a:r>
+            <a:r>
+              <a:rPr lang="en-US" sz="2500" u="sng" dirty="0" smtClean="0"/>
+              <a:t> </a:t>
+            </a:r>
+          </a:p>
+          <a:p>
+            <a:r>
+              <a:rPr lang="en-US" sz="2500" b="1" u="sng" dirty="0" smtClean="0"/>
+              <a:t>Krishna </a:t>
+            </a:r>
+            <a:r>
+              <a:rPr lang="en-US" sz="2500" b="1" u="sng" dirty="0" err="1" smtClean="0"/>
+              <a:t>Jadav</a:t>
+            </a:r>
+            <a:endParaRPr lang="en-US" sz="2500" b="1" u="sng" dirty="0"/>
           </a:p>
         </p:txBody>
       </p:sp>
     </p:spTree>
     <p:extLst>
       <p:ext uri="{BB962C8B-B14F-4D97-AF65-F5344CB8AC3E}">
-        <p14:creationId xmlns:p14="http://schemas.microsoft.com/office/powerpoint/2010/main" val="2717497918"/>
+        <p14:creationId xmlns:p14="http://schemas.microsoft.com/office/powerpoint/2010/main" val="4143472186"/>
+      </p:ext>
+    </p:extLst>
+  </p:cSld>
+  <p:clrMapOvr>
+    <a:masterClrMapping/>
+  </p:clrMapOvr>
+</p:sld>
+</file>
+
+<file path=ppt/slides/slide3.xml><?xml version="1.0" encoding="utf-8"?>
+<p:sld xmlns:a="http://schemas.openxmlformats.org/drawingml/2006/main" xmlns:r="http://schemas.openxmlformats.org/officeDocument/2006/relationships" xmlns:p="http://schemas.openxmlformats.org/presentationml/2006/main">
+  <p:cSld>
+    <p:spTree>
+      <p:nvGrpSpPr>
+        <p:cNvPr id="1" name=""/>
+        <p:cNvGrpSpPr/>
+        <p:nvPr/>
+      </p:nvGrpSpPr>
+      <p:grpSpPr>
+        <a:xfrm>
+          <a:off x="0" y="0"/>
+          <a:ext cx="0" cy="0"/>
+          <a:chOff x="0" y="0"/>
+          <a:chExt cx="0" cy="0"/>
+        </a:xfrm>
+      </p:grpSpPr>
+      <p:sp>
+        <p:nvSpPr>
+          <p:cNvPr id="2" name="Title 1"/>
+          <p:cNvSpPr>
+            <a:spLocks noGrp="1"/>
+          </p:cNvSpPr>
+          <p:nvPr>
+            <p:ph type="title"/>
+          </p:nvPr>
+        </p:nvSpPr>
+        <p:spPr>
+          <a:xfrm>
+            <a:off x="4539341" y="714102"/>
+            <a:ext cx="3115491" cy="1356360"/>
+          </a:xfrm>
+        </p:spPr>
+        <p:txBody>
+          <a:bodyPr>
+            <a:normAutofit/>
+          </a:bodyPr>
+          <a:lstStyle/>
+          <a:p>
+            <a:r>
+              <a:rPr lang="en-US" sz="4800" b="1" dirty="0" smtClean="0"/>
+              <a:t>Our LOGO</a:t>
+            </a:r>
+            <a:endParaRPr lang="en-US" sz="4800" b="1" dirty="0"/>
+          </a:p>
+        </p:txBody>
+      </p:sp>
+      <p:pic>
+        <p:nvPicPr>
+          <p:cNvPr id="3" name="Picture 2"/>
+          <p:cNvPicPr>
+            <a:picLocks noChangeAspect="1"/>
+          </p:cNvPicPr>
+          <p:nvPr/>
+        </p:nvPicPr>
+        <p:blipFill>
+          <a:blip r:embed="rId2" cstate="print">
+            <a:extLst>
+              <a:ext uri="{28A0092B-C50C-407E-A947-70E740481C1C}">
+                <a14:useLocalDpi xmlns:a14="http://schemas.microsoft.com/office/drawing/2010/main" val="0"/>
+              </a:ext>
+            </a:extLst>
+          </a:blip>
+          <a:stretch>
+            <a:fillRect/>
+          </a:stretch>
+        </p:blipFill>
+        <p:spPr>
+          <a:xfrm>
+            <a:off x="2878505" y="2878604"/>
+            <a:ext cx="6437165" cy="1999069"/>
+          </a:xfrm>
+          <a:prstGeom prst="rect">
+            <a:avLst/>
+          </a:prstGeom>
+        </p:spPr>
+      </p:pic>
+    </p:spTree>
+    <p:extLst>
+      <p:ext uri="{BB962C8B-B14F-4D97-AF65-F5344CB8AC3E}">
+        <p14:creationId xmlns:p14="http://schemas.microsoft.com/office/powerpoint/2010/main" val="1238887038"/>
+      </p:ext>
+    </p:extLst>
+  </p:cSld>
+  <p:clrMapOvr>
+    <a:masterClrMapping/>
+  </p:clrMapOvr>
+</p:sld>
+</file>
+
+<file path=ppt/slides/slide4.xml><?xml version="1.0" encoding="utf-8"?>
+<p:sld xmlns:a="http://schemas.openxmlformats.org/drawingml/2006/main" xmlns:r="http://schemas.openxmlformats.org/officeDocument/2006/relationships" xmlns:p="http://schemas.openxmlformats.org/presentationml/2006/main">
+  <p:cSld>
+    <p:spTree>
+      <p:nvGrpSpPr>
+        <p:cNvPr id="1" name=""/>
+        <p:cNvGrpSpPr/>
+        <p:nvPr/>
+      </p:nvGrpSpPr>
+      <p:grpSpPr>
+        <a:xfrm>
+          <a:off x="0" y="0"/>
+          <a:ext cx="0" cy="0"/>
+          <a:chOff x="0" y="0"/>
+          <a:chExt cx="0" cy="0"/>
+        </a:xfrm>
+      </p:grpSpPr>
+      <p:sp>
+        <p:nvSpPr>
+          <p:cNvPr id="2" name="Title 1"/>
+          <p:cNvSpPr>
+            <a:spLocks noGrp="1"/>
+          </p:cNvSpPr>
+          <p:nvPr>
+            <p:ph type="title"/>
+          </p:nvPr>
+        </p:nvSpPr>
+        <p:spPr/>
+        <p:txBody>
+          <a:bodyPr/>
+          <a:lstStyle/>
+          <a:p>
+            <a:r>
+              <a:rPr lang="en-US" dirty="0" smtClean="0">
+                <a:solidFill>
+                  <a:schemeClr val="accent1">
+                    <a:lumMod val="75000"/>
+                  </a:schemeClr>
+                </a:solidFill>
+              </a:rPr>
+              <a:t>Menu Bar</a:t>
+            </a:r>
+            <a:endParaRPr lang="en-US" dirty="0">
+              <a:solidFill>
+                <a:schemeClr val="accent1">
+                  <a:lumMod val="75000"/>
+                </a:schemeClr>
+              </a:solidFill>
+            </a:endParaRPr>
+          </a:p>
+        </p:txBody>
+      </p:sp>
+      <p:sp>
+        <p:nvSpPr>
+          <p:cNvPr id="3" name="Content Placeholder 2"/>
+          <p:cNvSpPr>
+            <a:spLocks noGrp="1"/>
+          </p:cNvSpPr>
+          <p:nvPr>
+            <p:ph idx="1"/>
+          </p:nvPr>
+        </p:nvSpPr>
+        <p:spPr>
+          <a:xfrm>
+            <a:off x="1143000" y="1698171"/>
+            <a:ext cx="6067697" cy="4585063"/>
+          </a:xfrm>
+        </p:spPr>
+        <p:txBody>
+          <a:bodyPr>
+            <a:normAutofit fontScale="92500" lnSpcReduction="20000"/>
+          </a:bodyPr>
+          <a:lstStyle/>
+          <a:p>
+            <a:r>
+              <a:rPr lang="en-US" b="1" dirty="0" smtClean="0"/>
+              <a:t>Home</a:t>
+            </a:r>
+          </a:p>
+          <a:p>
+            <a:r>
+              <a:rPr lang="en-US" b="1" dirty="0" smtClean="0"/>
+              <a:t>About Us</a:t>
+            </a:r>
+          </a:p>
+          <a:p>
+            <a:r>
+              <a:rPr lang="en-US" b="1" dirty="0" smtClean="0"/>
+              <a:t>Exam Papers</a:t>
+            </a:r>
+          </a:p>
+          <a:p>
+            <a:pPr lvl="1">
+              <a:lnSpc>
+                <a:spcPct val="170000"/>
+              </a:lnSpc>
+              <a:buFont typeface="Courier New" panose="02070309020205020404" pitchFamily="49" charset="0"/>
+              <a:buChar char="o"/>
+            </a:pPr>
+            <a:r>
+              <a:rPr lang="en-US" b="1" dirty="0" smtClean="0"/>
+              <a:t>Sardar</a:t>
+            </a:r>
+            <a:r>
+              <a:rPr lang="en-US" b="1" dirty="0"/>
+              <a:t> </a:t>
+            </a:r>
+            <a:r>
+              <a:rPr lang="en-US" b="1" dirty="0" smtClean="0"/>
+              <a:t>Patel University  Papers</a:t>
+            </a:r>
+          </a:p>
+          <a:p>
+            <a:pPr lvl="1">
+              <a:buFont typeface="Courier New" panose="02070309020205020404" pitchFamily="49" charset="0"/>
+              <a:buChar char="o"/>
+            </a:pPr>
+            <a:r>
+              <a:rPr lang="en-US" b="1" dirty="0" smtClean="0"/>
+              <a:t>Information Technology Papers</a:t>
+            </a:r>
+          </a:p>
+          <a:p>
+            <a:pPr lvl="1">
+              <a:buFont typeface="Courier New" panose="02070309020205020404" pitchFamily="49" charset="0"/>
+              <a:buChar char="o"/>
+            </a:pPr>
+            <a:r>
+              <a:rPr lang="en-US" b="1" dirty="0" smtClean="0"/>
+              <a:t>IELTS Papers</a:t>
+            </a:r>
+          </a:p>
+          <a:p>
+            <a:r>
+              <a:rPr lang="en-US" b="1" dirty="0" smtClean="0"/>
+              <a:t>Course Material</a:t>
+            </a:r>
+          </a:p>
+          <a:p>
+            <a:pPr lvl="1">
+              <a:lnSpc>
+                <a:spcPct val="170000"/>
+              </a:lnSpc>
+              <a:buFont typeface="Courier New" panose="02070309020205020404" pitchFamily="49" charset="0"/>
+              <a:buChar char="o"/>
+            </a:pPr>
+            <a:r>
+              <a:rPr lang="en-US" b="1" dirty="0" smtClean="0"/>
+              <a:t>IT Material</a:t>
+            </a:r>
+          </a:p>
+          <a:p>
+            <a:pPr lvl="1">
+              <a:buFont typeface="Courier New" panose="02070309020205020404" pitchFamily="49" charset="0"/>
+              <a:buChar char="o"/>
+            </a:pPr>
+            <a:r>
+              <a:rPr lang="en-US" b="1" dirty="0" smtClean="0"/>
+              <a:t>Science Material</a:t>
+            </a:r>
+          </a:p>
+          <a:p>
+            <a:pPr lvl="1">
+              <a:buFont typeface="Courier New" panose="02070309020205020404" pitchFamily="49" charset="0"/>
+              <a:buChar char="o"/>
+            </a:pPr>
+            <a:r>
+              <a:rPr lang="en-US" b="1" dirty="0" smtClean="0"/>
+              <a:t>Commerce Material</a:t>
+            </a:r>
+          </a:p>
+          <a:p>
+            <a:r>
+              <a:rPr lang="en-US" b="1" dirty="0" smtClean="0"/>
+              <a:t>Contact us</a:t>
+            </a:r>
+          </a:p>
+          <a:p>
+            <a:r>
+              <a:rPr lang="en-US" b="1" dirty="0" smtClean="0"/>
+              <a:t>Donate Us</a:t>
+            </a:r>
+          </a:p>
+          <a:p>
+            <a:endParaRPr lang="en-US" dirty="0"/>
+          </a:p>
+        </p:txBody>
+      </p:sp>
+    </p:spTree>
+    <p:extLst>
+      <p:ext uri="{BB962C8B-B14F-4D97-AF65-F5344CB8AC3E}">
+        <p14:creationId xmlns:p14="http://schemas.microsoft.com/office/powerpoint/2010/main" val="461247674"/>
+      </p:ext>
+    </p:extLst>
+  </p:cSld>
+  <p:clrMapOvr>
+    <a:masterClrMapping/>
+  </p:clrMapOvr>
+</p:sld>
+</file>
+
+<file path=ppt/slides/slide5.xml><?xml version="1.0" encoding="utf-8"?>
+<p:sld xmlns:a="http://schemas.openxmlformats.org/drawingml/2006/main" xmlns:r="http://schemas.openxmlformats.org/officeDocument/2006/relationships" xmlns:p="http://schemas.openxmlformats.org/presentationml/2006/main">
+  <p:cSld>
+    <p:spTree>
+      <p:nvGrpSpPr>
+        <p:cNvPr id="1" name=""/>
+        <p:cNvGrpSpPr/>
+        <p:nvPr/>
+      </p:nvGrpSpPr>
+      <p:grpSpPr>
+        <a:xfrm>
+          <a:off x="0" y="0"/>
+          <a:ext cx="0" cy="0"/>
+          <a:chOff x="0" y="0"/>
+          <a:chExt cx="0" cy="0"/>
+        </a:xfrm>
+      </p:grpSpPr>
+      <p:sp>
+        <p:nvSpPr>
+          <p:cNvPr id="2" name="Title 1"/>
+          <p:cNvSpPr>
+            <a:spLocks noGrp="1"/>
+          </p:cNvSpPr>
+          <p:nvPr>
+            <p:ph type="title"/>
+          </p:nvPr>
+        </p:nvSpPr>
+        <p:spPr/>
+        <p:txBody>
+          <a:bodyPr/>
+          <a:lstStyle/>
+          <a:p>
+            <a:r>
+              <a:rPr lang="en-US" dirty="0" smtClean="0"/>
+              <a:t>Home</a:t>
+            </a:r>
+            <a:endParaRPr lang="en-US" dirty="0"/>
+          </a:p>
+        </p:txBody>
+      </p:sp>
+      <p:sp>
+        <p:nvSpPr>
+          <p:cNvPr id="3" name="Content Placeholder 2"/>
+          <p:cNvSpPr>
+            <a:spLocks noGrp="1"/>
+          </p:cNvSpPr>
+          <p:nvPr>
+            <p:ph idx="1"/>
+          </p:nvPr>
+        </p:nvSpPr>
+        <p:spPr/>
+        <p:txBody>
+          <a:bodyPr/>
+          <a:lstStyle/>
+          <a:p>
+            <a:r>
+              <a:rPr lang="en-US" smtClean="0"/>
+              <a:t>Title</a:t>
+            </a:r>
+          </a:p>
+          <a:p>
+            <a:endParaRPr lang="en-US" dirty="0"/>
+          </a:p>
+        </p:txBody>
+      </p:sp>
+    </p:spTree>
+    <p:extLst>
+      <p:ext uri="{BB962C8B-B14F-4D97-AF65-F5344CB8AC3E}">
+        <p14:creationId xmlns:p14="http://schemas.microsoft.com/office/powerpoint/2010/main" val="2893316441"/>
+      </p:ext>
+    </p:extLst>
+  </p:cSld>
+  <p:clrMapOvr>
+    <a:masterClrMapping/>
+  </p:clrMapOvr>
+</p:sld>
+</file>
+
+<file path=ppt/slides/slide6.xml><?xml version="1.0" encoding="utf-8"?>
+<p:sld xmlns:a="http://schemas.openxmlformats.org/drawingml/2006/main" xmlns:r="http://schemas.openxmlformats.org/officeDocument/2006/relationships" xmlns:p="http://schemas.openxmlformats.org/presentationml/2006/main">
+  <p:cSld>
+    <p:spTree>
+      <p:nvGrpSpPr>
+        <p:cNvPr id="1" name=""/>
+        <p:cNvGrpSpPr/>
+        <p:nvPr/>
+      </p:nvGrpSpPr>
+      <p:grpSpPr>
+        <a:xfrm>
+          <a:off x="0" y="0"/>
+          <a:ext cx="0" cy="0"/>
+          <a:chOff x="0" y="0"/>
+          <a:chExt cx="0" cy="0"/>
+        </a:xfrm>
+      </p:grpSpPr>
+      <p:sp>
+        <p:nvSpPr>
+          <p:cNvPr id="2" name="Title 1"/>
+          <p:cNvSpPr>
+            <a:spLocks noGrp="1"/>
+          </p:cNvSpPr>
+          <p:nvPr>
+            <p:ph type="title"/>
+          </p:nvPr>
+        </p:nvSpPr>
+        <p:spPr/>
+        <p:txBody>
+          <a:bodyPr/>
+          <a:lstStyle/>
+          <a:p>
+            <a:r>
+              <a:rPr lang="en-US" dirty="0" smtClean="0"/>
+              <a:t>About Us</a:t>
+            </a:r>
+            <a:endParaRPr lang="en-US" dirty="0"/>
+          </a:p>
+        </p:txBody>
+      </p:sp>
+      <p:sp>
+        <p:nvSpPr>
+          <p:cNvPr id="3" name="Content Placeholder 2"/>
+          <p:cNvSpPr>
+            <a:spLocks noGrp="1"/>
+          </p:cNvSpPr>
+          <p:nvPr>
+            <p:ph idx="1"/>
+          </p:nvPr>
+        </p:nvSpPr>
+        <p:spPr/>
+        <p:txBody>
+          <a:bodyPr/>
+          <a:lstStyle/>
+          <a:p>
+            <a:endParaRPr lang="en-US"/>
+          </a:p>
+        </p:txBody>
+      </p:sp>
+    </p:spTree>
+    <p:extLst>
+      <p:ext uri="{BB962C8B-B14F-4D97-AF65-F5344CB8AC3E}">
+        <p14:creationId xmlns:p14="http://schemas.microsoft.com/office/powerpoint/2010/main" val="3841948432"/>
+      </p:ext>
+    </p:extLst>
+  </p:cSld>
+  <p:clrMapOvr>
+    <a:masterClrMapping/>
+  </p:clrMapOvr>
+</p:sld>
+</file>
+
+<file path=ppt/slides/slide7.xml><?xml version="1.0" encoding="utf-8"?>
+<p:sld xmlns:a="http://schemas.openxmlformats.org/drawingml/2006/main" xmlns:r="http://schemas.openxmlformats.org/officeDocument/2006/relationships" xmlns:p="http://schemas.openxmlformats.org/presentationml/2006/main">
+  <p:cSld>
+    <p:spTree>
+      <p:nvGrpSpPr>
+        <p:cNvPr id="1" name=""/>
+        <p:cNvGrpSpPr/>
+        <p:nvPr/>
+      </p:nvGrpSpPr>
+      <p:grpSpPr>
+        <a:xfrm>
+          <a:off x="0" y="0"/>
+          <a:ext cx="0" cy="0"/>
+          <a:chOff x="0" y="0"/>
+          <a:chExt cx="0" cy="0"/>
+        </a:xfrm>
+      </p:grpSpPr>
+      <p:sp>
+        <p:nvSpPr>
+          <p:cNvPr id="2" name="Title 1"/>
+          <p:cNvSpPr>
+            <a:spLocks noGrp="1"/>
+          </p:cNvSpPr>
+          <p:nvPr>
+            <p:ph type="title"/>
+          </p:nvPr>
+        </p:nvSpPr>
+        <p:spPr/>
+        <p:txBody>
+          <a:bodyPr/>
+          <a:lstStyle/>
+          <a:p>
+            <a:r>
+              <a:rPr lang="en-US" dirty="0" smtClean="0"/>
+              <a:t>Exam Papers</a:t>
+            </a:r>
+            <a:endParaRPr lang="en-US" dirty="0"/>
+          </a:p>
+        </p:txBody>
+      </p:sp>
+      <p:sp>
+        <p:nvSpPr>
+          <p:cNvPr id="3" name="Content Placeholder 2"/>
+          <p:cNvSpPr>
+            <a:spLocks noGrp="1"/>
+          </p:cNvSpPr>
+          <p:nvPr>
+            <p:ph idx="1"/>
+          </p:nvPr>
+        </p:nvSpPr>
+        <p:spPr/>
+        <p:txBody>
+          <a:bodyPr/>
+          <a:lstStyle/>
+          <a:p>
+            <a:endParaRPr lang="en-US"/>
+          </a:p>
+        </p:txBody>
+      </p:sp>
+    </p:spTree>
+    <p:extLst>
+      <p:ext uri="{BB962C8B-B14F-4D97-AF65-F5344CB8AC3E}">
+        <p14:creationId xmlns:p14="http://schemas.microsoft.com/office/powerpoint/2010/main" val="2326349066"/>
+      </p:ext>
+    </p:extLst>
+  </p:cSld>
+  <p:clrMapOvr>
+    <a:masterClrMapping/>
+  </p:clrMapOvr>
+</p:sld>
+</file>
+
+<file path=ppt/slides/slide8.xml><?xml version="1.0" encoding="utf-8"?>
+<p:sld xmlns:a="http://schemas.openxmlformats.org/drawingml/2006/main" xmlns:r="http://schemas.openxmlformats.org/officeDocument/2006/relationships" xmlns:p="http://schemas.openxmlformats.org/presentationml/2006/main">
+  <p:cSld>
+    <p:spTree>
+      <p:nvGrpSpPr>
+        <p:cNvPr id="1" name=""/>
+        <p:cNvGrpSpPr/>
+        <p:nvPr/>
+      </p:nvGrpSpPr>
+      <p:grpSpPr>
+        <a:xfrm>
+          <a:off x="0" y="0"/>
+          <a:ext cx="0" cy="0"/>
+          <a:chOff x="0" y="0"/>
+          <a:chExt cx="0" cy="0"/>
+        </a:xfrm>
+      </p:grpSpPr>
+      <p:sp>
+        <p:nvSpPr>
+          <p:cNvPr id="2" name="Title 1"/>
+          <p:cNvSpPr>
+            <a:spLocks noGrp="1"/>
+          </p:cNvSpPr>
+          <p:nvPr>
+            <p:ph type="title"/>
+          </p:nvPr>
+        </p:nvSpPr>
+        <p:spPr/>
+        <p:txBody>
+          <a:bodyPr/>
+          <a:lstStyle/>
+          <a:p>
+            <a:r>
+              <a:rPr lang="en-US" dirty="0" smtClean="0"/>
+              <a:t>Course Material</a:t>
+            </a:r>
+            <a:endParaRPr lang="en-US" dirty="0"/>
+          </a:p>
+        </p:txBody>
+      </p:sp>
+      <p:sp>
+        <p:nvSpPr>
+          <p:cNvPr id="3" name="Content Placeholder 2"/>
+          <p:cNvSpPr>
+            <a:spLocks noGrp="1"/>
+          </p:cNvSpPr>
+          <p:nvPr>
+            <p:ph idx="1"/>
+          </p:nvPr>
+        </p:nvSpPr>
+        <p:spPr/>
+        <p:txBody>
+          <a:bodyPr/>
+          <a:lstStyle/>
+          <a:p>
+            <a:endParaRPr lang="en-US"/>
+          </a:p>
+        </p:txBody>
+      </p:sp>
+    </p:spTree>
+    <p:extLst>
+      <p:ext uri="{BB962C8B-B14F-4D97-AF65-F5344CB8AC3E}">
+        <p14:creationId xmlns:p14="http://schemas.microsoft.com/office/powerpoint/2010/main" val="1361613581"/>
+      </p:ext>
+    </p:extLst>
+  </p:cSld>
+  <p:clrMapOvr>
+    <a:masterClrMapping/>
+  </p:clrMapOvr>
+</p:sld>
+</file>
+
+<file path=ppt/slides/slide9.xml><?xml version="1.0" encoding="utf-8"?>
+<p:sld xmlns:a="http://schemas.openxmlformats.org/drawingml/2006/main" xmlns:r="http://schemas.openxmlformats.org/officeDocument/2006/relationships" xmlns:p="http://schemas.openxmlformats.org/presentationml/2006/main">
+  <p:cSld>
+    <p:spTree>
+      <p:nvGrpSpPr>
+        <p:cNvPr id="1" name=""/>
+        <p:cNvGrpSpPr/>
+        <p:nvPr/>
+      </p:nvGrpSpPr>
+      <p:grpSpPr>
+        <a:xfrm>
+          <a:off x="0" y="0"/>
+          <a:ext cx="0" cy="0"/>
+          <a:chOff x="0" y="0"/>
+          <a:chExt cx="0" cy="0"/>
+        </a:xfrm>
+      </p:grpSpPr>
+      <p:sp>
+        <p:nvSpPr>
+          <p:cNvPr id="2" name="Title 1"/>
+          <p:cNvSpPr>
+            <a:spLocks noGrp="1"/>
+          </p:cNvSpPr>
+          <p:nvPr>
+            <p:ph type="title"/>
+          </p:nvPr>
+        </p:nvSpPr>
+        <p:spPr/>
+        <p:txBody>
+          <a:bodyPr/>
+          <a:lstStyle/>
+          <a:p>
+            <a:endParaRPr lang="en-US" dirty="0"/>
+          </a:p>
+        </p:txBody>
+      </p:sp>
+      <p:sp>
+        <p:nvSpPr>
+          <p:cNvPr id="3" name="Content Placeholder 2"/>
+          <p:cNvSpPr>
+            <a:spLocks noGrp="1"/>
+          </p:cNvSpPr>
+          <p:nvPr>
+            <p:ph idx="1"/>
+          </p:nvPr>
+        </p:nvSpPr>
+        <p:spPr/>
+        <p:txBody>
+          <a:bodyPr/>
+          <a:lstStyle/>
+          <a:p>
+            <a:endParaRPr lang="en-US"/>
+          </a:p>
+        </p:txBody>
+      </p:sp>
+    </p:spTree>
+    <p:extLst>
+      <p:ext uri="{BB962C8B-B14F-4D97-AF65-F5344CB8AC3E}">
+        <p14:creationId xmlns:p14="http://schemas.microsoft.com/office/powerpoint/2010/main" val="3550683397"/>
       </p:ext>
     </p:extLst>
   </p:cSld>
